--- a/presentations/Presentation 1.pptx
+++ b/presentations/Presentation 1.pptx
@@ -13,20 +13,21 @@
     <p:sldId id="258" r:id="rId8"/>
     <p:sldId id="259" r:id="rId9"/>
     <p:sldId id="260" r:id="rId10"/>
+    <p:sldId id="261" r:id="rId11"/>
   </p:sldIdLst>
   <p:sldSz cy="6858000" cx="12192000"/>
   <p:notesSz cx="6858000" cy="9144000"/>
   <p:embeddedFontLst>
     <p:embeddedFont>
       <p:font typeface="Calibri"/>
-      <p:regular r:id="rId11"/>
-      <p:bold r:id="rId12"/>
-      <p:italic r:id="rId13"/>
-      <p:boldItalic r:id="rId14"/>
+      <p:regular r:id="rId12"/>
+      <p:bold r:id="rId13"/>
+      <p:italic r:id="rId14"/>
+      <p:boldItalic r:id="rId15"/>
     </p:embeddedFont>
     <p:embeddedFont>
       <p:font typeface="Questrial"/>
-      <p:regular r:id="rId15"/>
+      <p:regular r:id="rId16"/>
     </p:embeddedFont>
   </p:embeddedFontLst>
   <p:defaultTextStyle>
@@ -642,7 +643,7 @@
           </a:bodyPr>
           <a:lstStyle/>
           <a:p>
-            <a:pPr>
+            <a:pPr lvl="0" rtl="0">
               <a:spcBef>
                 <a:spcPts val="0"/>
               </a:spcBef>
@@ -666,7 +667,7 @@
         <p:spPr>
           <a:xfrm>
             <a:off x="1143225" y="685800"/>
-            <a:ext cx="4572225" cy="3429000"/>
+            <a:ext cx="4572299" cy="3429000"/>
           </a:xfrm>
           <a:custGeom>
             <a:pathLst>
@@ -868,6 +869,111 @@
       <p:sp>
         <p:nvSpPr>
           <p:cNvPr id="108" name="Shape 108"/>
+          <p:cNvSpPr/>
+          <p:nvPr>
+            <p:ph idx="2" type="sldImg"/>
+          </p:nvPr>
+        </p:nvSpPr>
+        <p:spPr>
+          <a:xfrm>
+            <a:off x="1143225" y="685800"/>
+            <a:ext cx="4572225" cy="3429000"/>
+          </a:xfrm>
+          <a:custGeom>
+            <a:pathLst>
+              <a:path extrusionOk="0" h="120000" w="120000">
+                <a:moveTo>
+                  <a:pt x="0" y="0"/>
+                </a:moveTo>
+                <a:lnTo>
+                  <a:pt x="120000" y="0"/>
+                </a:lnTo>
+                <a:lnTo>
+                  <a:pt x="120000" y="120000"/>
+                </a:lnTo>
+                <a:lnTo>
+                  <a:pt x="0" y="120000"/>
+                </a:lnTo>
+                <a:close/>
+              </a:path>
+            </a:pathLst>
+          </a:custGeom>
+          <a:noFill/>
+          <a:ln cap="flat" cmpd="sng" w="9525">
+            <a:solidFill>
+              <a:srgbClr val="000000"/>
+            </a:solidFill>
+            <a:prstDash val="solid"/>
+            <a:round/>
+            <a:headEnd len="med" w="med" type="none"/>
+            <a:tailEnd len="med" w="med" type="none"/>
+          </a:ln>
+        </p:spPr>
+      </p:sp>
+    </p:spTree>
+  </p:cSld>
+  <p:clrMapOvr>
+    <a:masterClrMapping/>
+  </p:clrMapOvr>
+</p:notes>
+</file>
+
+<file path=ppt/notesSlides/notesSlide6.xml><?xml version="1.0" encoding="utf-8"?>
+<p:notes xmlns:a="http://schemas.openxmlformats.org/drawingml/2006/main" xmlns:r="http://schemas.openxmlformats.org/officeDocument/2006/relationships" xmlns:mc="http://schemas.openxmlformats.org/markup-compatibility/2006" xmlns:mv="urn:schemas-microsoft-com:mac:vml" xmlns:p="http://schemas.openxmlformats.org/presentationml/2006/main" xmlns:c="http://schemas.openxmlformats.org/drawingml/2006/chart" xmlns:dgm="http://schemas.openxmlformats.org/drawingml/2006/diagram" xmlns:o="urn:schemas-microsoft-com:office:office" xmlns:v="urn:schemas-microsoft-com:vml" xmlns:pvml="urn:schemas-microsoft-com:office:powerpoint" xmlns:com="http://schemas.openxmlformats.org/drawingml/2006/compatibility" xmlns:p14="http://schemas.microsoft.com/office/powerpoint/2010/main" showMasterPhAnim="0" showMasterSp="0">
+  <p:cSld>
+    <p:spTree>
+      <p:nvGrpSpPr>
+        <p:cNvPr id="112" name="Shape 112"/>
+        <p:cNvGrpSpPr/>
+        <p:nvPr/>
+      </p:nvGrpSpPr>
+      <p:grpSpPr>
+        <a:xfrm>
+          <a:off x="0" y="0"/>
+          <a:ext cx="0" cy="0"/>
+          <a:chOff x="0" y="0"/>
+          <a:chExt cx="0" cy="0"/>
+        </a:xfrm>
+      </p:grpSpPr>
+      <p:sp>
+        <p:nvSpPr>
+          <p:cNvPr id="113" name="Shape 113"/>
+          <p:cNvSpPr txBox="1"/>
+          <p:nvPr>
+            <p:ph idx="1" type="body"/>
+          </p:nvPr>
+        </p:nvSpPr>
+        <p:spPr>
+          <a:xfrm>
+            <a:off x="685800" y="4343400"/>
+            <a:ext cx="5486399" cy="4114800"/>
+          </a:xfrm>
+          <a:prstGeom prst="rect">
+            <a:avLst/>
+          </a:prstGeom>
+        </p:spPr>
+        <p:txBody>
+          <a:bodyPr anchorCtr="0" anchor="ctr" bIns="91425" lIns="91425" rIns="91425" tIns="91425">
+            <a:noAutofit/>
+          </a:bodyPr>
+          <a:lstStyle/>
+          <a:p>
+            <a:pPr>
+              <a:spcBef>
+                <a:spcPts val="0"/>
+              </a:spcBef>
+              <a:buNone/>
+            </a:pPr>
+            <a:r>
+              <a:t/>
+            </a:r>
+            <a:endParaRPr/>
+          </a:p>
+        </p:txBody>
+      </p:sp>
+      <p:sp>
+        <p:nvSpPr>
+          <p:cNvPr id="114" name="Shape 114"/>
           <p:cNvSpPr/>
           <p:nvPr>
             <p:ph idx="2" type="sldImg"/>
@@ -10047,7 +10153,7 @@
               <a:buNone/>
             </a:pPr>
             <a:r>
-              <a:rPr b="0" baseline="0" i="0" lang="en-US" sz="2400" u="none" cap="none" strike="noStrike">
+              <a:rPr lang="en-US">
                 <a:solidFill>
                   <a:srgbClr val="7F7F7F"/>
                 </a:solidFill>
@@ -10056,7 +10162,7 @@
                 <a:cs typeface="Questrial"/>
                 <a:sym typeface="Questrial"/>
               </a:rPr>
-              <a:t>Data Dawgs</a:t>
+              <a:t>D A T A   D A W G S</a:t>
             </a:r>
           </a:p>
           <a:p>
@@ -10247,38 +10353,18 @@
             </a:r>
           </a:p>
           <a:p>
-            <a:pPr indent="0" lvl="0" marL="0" marR="0" rtl="0" algn="l">
+            <a:pPr indent="-228600" lvl="0" marL="228600" marR="0" rtl="0" algn="l">
               <a:lnSpc>
                 <a:spcPct val="90000"/>
               </a:lnSpc>
               <a:spcBef>
                 <a:spcPts val="0"/>
               </a:spcBef>
-              <a:buNone/>
-            </a:pPr>
-            <a:r>
-              <a:t/>
-            </a:r>
-            <a:endParaRPr>
-              <a:solidFill>
+              <a:buClr>
                 <a:srgbClr val="7F7F7F"/>
-              </a:solidFill>
-              <a:latin typeface="Questrial"/>
-              <a:ea typeface="Questrial"/>
-              <a:cs typeface="Questrial"/>
-              <a:sym typeface="Questrial"/>
-            </a:endParaRPr>
-          </a:p>
-          <a:p>
-            <a:pPr lvl="0" rtl="0">
-              <a:spcBef>
-                <a:spcPts val="0"/>
-              </a:spcBef>
-              <a:buClr>
-                <a:srgbClr val="7F7F7F"/>
               </a:buClr>
               <a:buSzPct val="100000"/>
-              <a:buFont typeface="Arial"/>
+              <a:buFont typeface="Questrial"/>
               <a:buChar char="•"/>
             </a:pPr>
             <a:r>
@@ -10291,31 +10377,8 @@
                 <a:cs typeface="Questrial"/>
                 <a:sym typeface="Questrial"/>
               </a:rPr>
-              <a:t>Using OMDb API to fetch the IMDb and Rotten Tomatoes movie data. </a:t>
+              <a:t>Currently storing the data in an SQLite database, but have potentially looked at MongoDB and PostgreSQL because of their faster write operations.</a:t>
             </a:r>
-          </a:p>
-          <a:p>
-            <a:pPr indent="0" lvl="0" marL="0" marR="0" rtl="0" algn="l">
-              <a:lnSpc>
-                <a:spcPct val="90000"/>
-              </a:lnSpc>
-              <a:spcBef>
-                <a:spcPts val="0"/>
-              </a:spcBef>
-              <a:buNone/>
-            </a:pPr>
-            <a:r>
-              <a:t/>
-            </a:r>
-            <a:endParaRPr>
-              <a:solidFill>
-                <a:srgbClr val="7F7F7F"/>
-              </a:solidFill>
-              <a:latin typeface="Questrial"/>
-              <a:ea typeface="Questrial"/>
-              <a:cs typeface="Questrial"/>
-              <a:sym typeface="Questrial"/>
-            </a:endParaRPr>
           </a:p>
           <a:p>
             <a:pPr indent="0" lvl="0" marL="0" marR="0" rtl="0" algn="l">
@@ -10388,7 +10451,7 @@
         <p:spPr>
           <a:xfrm>
             <a:off x="838200" y="365125"/>
-            <a:ext cx="10515599" cy="1325562"/>
+            <a:ext cx="10515599" cy="1325700"/>
           </a:xfrm>
           <a:prstGeom prst="rect">
             <a:avLst/>
@@ -10444,7 +10507,7 @@
         <p:spPr>
           <a:xfrm>
             <a:off x="838200" y="1825625"/>
-            <a:ext cx="10515599" cy="4351338"/>
+            <a:ext cx="10515599" cy="4351199"/>
           </a:xfrm>
           <a:prstGeom prst="rect">
             <a:avLst/>
@@ -10471,11 +10534,11 @@
                 <a:srgbClr val="7F7F7F"/>
               </a:buClr>
               <a:buSzPct val="100000"/>
-              <a:buFont typeface="Arial"/>
+              <a:buFont typeface="Questrial"/>
               <a:buChar char="•"/>
             </a:pPr>
             <a:r>
-              <a:rPr b="0" baseline="0" i="0" lang="en-US" sz="2800" u="none" cap="none" strike="noStrike">
+              <a:rPr lang="en-US">
                 <a:solidFill>
                   <a:srgbClr val="7F7F7F"/>
                 </a:solidFill>
@@ -10484,8 +10547,59 @@
                 <a:cs typeface="Questrial"/>
                 <a:sym typeface="Questrial"/>
               </a:rPr>
-              <a:t>Wrote a web scraping script to retrieve the movie box office data using urllib2 (Python 2.7) and Regex. </a:t>
+              <a:t>Using OMDb API to fetch the IMDb and Rotten Tomatoes movie data. However, the API does not support the retrieval of box office data.</a:t>
             </a:r>
+          </a:p>
+          <a:p>
+            <a:pPr indent="-228600" lvl="0" marL="228600" marR="0" rtl="0" algn="l">
+              <a:lnSpc>
+                <a:spcPct val="90000"/>
+              </a:lnSpc>
+              <a:spcBef>
+                <a:spcPts val="0"/>
+              </a:spcBef>
+              <a:buClr>
+                <a:srgbClr val="7F7F7F"/>
+              </a:buClr>
+              <a:buSzPct val="100000"/>
+              <a:buFont typeface="Questrial"/>
+              <a:buChar char="•"/>
+            </a:pPr>
+            <a:r>
+              <a:rPr lang="en-US">
+                <a:solidFill>
+                  <a:srgbClr val="7F7F7F"/>
+                </a:solidFill>
+                <a:latin typeface="Questrial"/>
+                <a:ea typeface="Questrial"/>
+                <a:cs typeface="Questrial"/>
+                <a:sym typeface="Questrial"/>
+              </a:rPr>
+              <a:t>Originally planned on making the API calls by searching by movie title using the list of titles obtained from IMDb, but parsing the movie title is nearly impossible to achieve because of strange movie names. The current algorithm features brute forces through the list of all possible IMDb movie IDs.</a:t>
+            </a:r>
+          </a:p>
+          <a:p>
+            <a:pPr indent="0" lvl="0" marL="0" marR="0" rtl="0" algn="l">
+              <a:lnSpc>
+                <a:spcPct val="90000"/>
+              </a:lnSpc>
+              <a:spcBef>
+                <a:spcPts val="1000"/>
+              </a:spcBef>
+              <a:buNone/>
+            </a:pPr>
+            <a:r>
+              <a:t/>
+            </a:r>
+            <a:endParaRPr b="0" baseline="0" i="0" sz="2800" u="none" cap="none" strike="noStrike">
+              <a:solidFill>
+                <a:srgbClr val="7F7F7F"/>
+              </a:solidFill>
+              <a:latin typeface="Questrial"/>
+              <a:ea typeface="Questrial"/>
+              <a:cs typeface="Questrial"/>
+              <a:sym typeface="Questrial"/>
+            </a:endParaRPr>
           </a:p>
         </p:txBody>
       </p:sp>
@@ -10575,7 +10689,7 @@
                 <a:cs typeface="Times New Roman"/>
                 <a:sym typeface="Times New Roman"/>
               </a:rPr>
-              <a:t>FUTURE PLANS</a:t>
+              <a:t>PROGRESS</a:t>
             </a:r>
           </a:p>
         </p:txBody>
@@ -10591,7 +10705,7 @@
         <p:spPr>
           <a:xfrm>
             <a:off x="838200" y="1825625"/>
-            <a:ext cx="10515599" cy="4790099"/>
+            <a:ext cx="10515599" cy="4351338"/>
           </a:xfrm>
           <a:prstGeom prst="rect">
             <a:avLst/>
@@ -10622,7 +10736,7 @@
               <a:buChar char="•"/>
             </a:pPr>
             <a:r>
-              <a:rPr b="0" baseline="0" i="0" lang="en-US" sz="2800" u="none" cap="none" strike="noStrike">
+              <a:rPr lang="en-US">
                 <a:solidFill>
                   <a:srgbClr val="7F7F7F"/>
                 </a:solidFill>
@@ -10631,134 +10745,8 @@
                 <a:cs typeface="Questrial"/>
                 <a:sym typeface="Questrial"/>
               </a:rPr>
-              <a:t>Analyze trends based on the data, for example:	</a:t>
+              <a:t>Wrote a web scraping script to retrieve the movie box office data using urllib2 (Python 2.7) and Regex. Looked at BeautifulSoup, a Python web scraping library, but it seems to be counter-productive for our purpose as well as inefficient.</a:t>
             </a:r>
-          </a:p>
-          <a:p>
-            <a:pPr indent="-228600" lvl="1" marL="685800" marR="0" rtl="0" algn="l">
-              <a:lnSpc>
-                <a:spcPct val="90000"/>
-              </a:lnSpc>
-              <a:spcBef>
-                <a:spcPts val="500"/>
-              </a:spcBef>
-              <a:buClr>
-                <a:srgbClr val="7F7F7F"/>
-              </a:buClr>
-              <a:buSzPct val="100000"/>
-              <a:buFont typeface="Arial"/>
-              <a:buChar char="•"/>
-            </a:pPr>
-            <a:r>
-              <a:rPr b="0" baseline="0" i="0" lang="en-US" sz="2400" u="none" cap="none" strike="noStrike">
-                <a:solidFill>
-                  <a:srgbClr val="7F7F7F"/>
-                </a:solidFill>
-                <a:latin typeface="Questrial"/>
-                <a:ea typeface="Questrial"/>
-                <a:cs typeface="Questrial"/>
-                <a:sym typeface="Questrial"/>
-              </a:rPr>
-              <a:t>production houses with higher box office success rate</a:t>
-            </a:r>
-          </a:p>
-          <a:p>
-            <a:pPr indent="-228600" lvl="1" marL="685800" marR="0" rtl="0" algn="l">
-              <a:lnSpc>
-                <a:spcPct val="90000"/>
-              </a:lnSpc>
-              <a:spcBef>
-                <a:spcPts val="500"/>
-              </a:spcBef>
-              <a:buClr>
-                <a:srgbClr val="7F7F7F"/>
-              </a:buClr>
-              <a:buSzPct val="100000"/>
-              <a:buFont typeface="Arial"/>
-              <a:buChar char="•"/>
-            </a:pPr>
-            <a:r>
-              <a:rPr b="0" baseline="0" i="0" lang="en-US" sz="2400" u="none" cap="none" strike="noStrike">
-                <a:solidFill>
-                  <a:srgbClr val="7F7F7F"/>
-                </a:solidFill>
-                <a:latin typeface="Questrial"/>
-                <a:ea typeface="Questrial"/>
-                <a:cs typeface="Questrial"/>
-                <a:sym typeface="Questrial"/>
-              </a:rPr>
-              <a:t>comparison between commercially and critically acclaimed movies based on IMDb and Metascore ratings</a:t>
-            </a:r>
-          </a:p>
-          <a:p>
-            <a:pPr indent="-228600" lvl="1" marL="685800" marR="0" rtl="0" algn="l">
-              <a:lnSpc>
-                <a:spcPct val="90000"/>
-              </a:lnSpc>
-              <a:spcBef>
-                <a:spcPts val="500"/>
-              </a:spcBef>
-              <a:buClr>
-                <a:srgbClr val="7F7F7F"/>
-              </a:buClr>
-              <a:buSzPct val="100000"/>
-              <a:buFont typeface="Arial"/>
-              <a:buChar char="•"/>
-            </a:pPr>
-            <a:r>
-              <a:rPr b="0" baseline="0" i="0" lang="en-US" sz="2400" u="none" cap="none" strike="noStrike">
-                <a:solidFill>
-                  <a:srgbClr val="7F7F7F"/>
-                </a:solidFill>
-                <a:latin typeface="Questrial"/>
-                <a:ea typeface="Questrial"/>
-                <a:cs typeface="Questrial"/>
-                <a:sym typeface="Questrial"/>
-              </a:rPr>
-              <a:t>box office success rate for a movie based on the release time</a:t>
-            </a:r>
-          </a:p>
-          <a:p>
-            <a:pPr indent="0" lvl="0" marL="457200" marR="0" rtl="0" algn="l">
-              <a:lnSpc>
-                <a:spcPct val="90000"/>
-              </a:lnSpc>
-              <a:spcBef>
-                <a:spcPts val="500"/>
-              </a:spcBef>
-              <a:buNone/>
-            </a:pPr>
-            <a:r>
-              <a:t/>
-            </a:r>
-            <a:endParaRPr/>
-          </a:p>
-          <a:p>
-            <a:pPr indent="-50800" lvl="0" marL="228600" marR="0" rtl="0" algn="l">
-              <a:lnSpc>
-                <a:spcPct val="90000"/>
-              </a:lnSpc>
-              <a:spcBef>
-                <a:spcPts val="1000"/>
-              </a:spcBef>
-              <a:buClr>
-                <a:schemeClr val="dk1"/>
-              </a:buClr>
-              <a:buFont typeface="Arial"/>
-              <a:buNone/>
-            </a:pPr>
-            <a:r>
-              <a:t/>
-            </a:r>
-            <a:endParaRPr b="0" baseline="0" i="0" sz="2800" u="none" cap="none" strike="noStrike">
-              <a:solidFill>
-                <a:srgbClr val="7F7F7F"/>
-              </a:solidFill>
-              <a:latin typeface="Questrial"/>
-              <a:ea typeface="Questrial"/>
-              <a:cs typeface="Questrial"/>
-              <a:sym typeface="Questrial"/>
-            </a:endParaRPr>
           </a:p>
         </p:txBody>
       </p:sp>
@@ -10864,6 +10852,307 @@
         <p:spPr>
           <a:xfrm>
             <a:off x="838200" y="1825625"/>
+            <a:ext cx="10515599" cy="4790099"/>
+          </a:xfrm>
+          <a:prstGeom prst="rect">
+            <a:avLst/>
+          </a:prstGeom>
+          <a:noFill/>
+          <a:ln>
+            <a:noFill/>
+          </a:ln>
+        </p:spPr>
+        <p:txBody>
+          <a:bodyPr anchorCtr="0" anchor="t" bIns="45700" lIns="91425" rIns="91425" tIns="45700">
+            <a:noAutofit/>
+          </a:bodyPr>
+          <a:lstStyle/>
+          <a:p>
+            <a:pPr indent="-228600" lvl="0" marL="228600" marR="0" rtl="0" algn="l">
+              <a:lnSpc>
+                <a:spcPct val="90000"/>
+              </a:lnSpc>
+              <a:spcBef>
+                <a:spcPts val="0"/>
+              </a:spcBef>
+              <a:buClr>
+                <a:srgbClr val="7F7F7F"/>
+              </a:buClr>
+              <a:buSzPct val="100000"/>
+              <a:buFont typeface="Arial"/>
+              <a:buChar char="•"/>
+            </a:pPr>
+            <a:r>
+              <a:rPr b="0" baseline="0" i="0" lang="en-US" sz="2800" u="none" cap="none" strike="noStrike">
+                <a:solidFill>
+                  <a:srgbClr val="7F7F7F"/>
+                </a:solidFill>
+                <a:latin typeface="Questrial"/>
+                <a:ea typeface="Questrial"/>
+                <a:cs typeface="Questrial"/>
+                <a:sym typeface="Questrial"/>
+              </a:rPr>
+              <a:t>Analyze trends based on the data, for example:	</a:t>
+            </a:r>
+          </a:p>
+          <a:p>
+            <a:pPr indent="-228600" lvl="1" marL="685800" marR="0" rtl="0" algn="l">
+              <a:lnSpc>
+                <a:spcPct val="90000"/>
+              </a:lnSpc>
+              <a:spcBef>
+                <a:spcPts val="500"/>
+              </a:spcBef>
+              <a:buClr>
+                <a:srgbClr val="7F7F7F"/>
+              </a:buClr>
+              <a:buSzPct val="100000"/>
+              <a:buFont typeface="Arial"/>
+              <a:buChar char="•"/>
+            </a:pPr>
+            <a:r>
+              <a:rPr b="0" baseline="0" i="0" lang="en-US" sz="2400" u="none" cap="none" strike="noStrike">
+                <a:solidFill>
+                  <a:srgbClr val="7F7F7F"/>
+                </a:solidFill>
+                <a:latin typeface="Questrial"/>
+                <a:ea typeface="Questrial"/>
+                <a:cs typeface="Questrial"/>
+                <a:sym typeface="Questrial"/>
+              </a:rPr>
+              <a:t>production houses with higher box office success rate</a:t>
+            </a:r>
+          </a:p>
+          <a:p>
+            <a:pPr indent="-228600" lvl="1" marL="685800" marR="0" rtl="0" algn="l">
+              <a:lnSpc>
+                <a:spcPct val="90000"/>
+              </a:lnSpc>
+              <a:spcBef>
+                <a:spcPts val="500"/>
+              </a:spcBef>
+              <a:buClr>
+                <a:srgbClr val="7F7F7F"/>
+              </a:buClr>
+              <a:buSzPct val="100000"/>
+              <a:buFont typeface="Arial"/>
+              <a:buChar char="•"/>
+            </a:pPr>
+            <a:r>
+              <a:rPr b="0" baseline="0" i="0" lang="en-US" sz="2400" u="none" cap="none" strike="noStrike">
+                <a:solidFill>
+                  <a:srgbClr val="7F7F7F"/>
+                </a:solidFill>
+                <a:latin typeface="Questrial"/>
+                <a:ea typeface="Questrial"/>
+                <a:cs typeface="Questrial"/>
+                <a:sym typeface="Questrial"/>
+              </a:rPr>
+              <a:t>comparison between commercially and critically acclaimed movies based on IMDb and Metascore ratings</a:t>
+            </a:r>
+          </a:p>
+          <a:p>
+            <a:pPr indent="-228600" lvl="1" marL="685800" marR="0" rtl="0" algn="l">
+              <a:lnSpc>
+                <a:spcPct val="90000"/>
+              </a:lnSpc>
+              <a:spcBef>
+                <a:spcPts val="500"/>
+              </a:spcBef>
+              <a:buClr>
+                <a:srgbClr val="7F7F7F"/>
+              </a:buClr>
+              <a:buSzPct val="100000"/>
+              <a:buFont typeface="Arial"/>
+              <a:buChar char="•"/>
+            </a:pPr>
+            <a:r>
+              <a:rPr b="0" baseline="0" i="0" lang="en-US" sz="2400" u="none" cap="none" strike="noStrike">
+                <a:solidFill>
+                  <a:srgbClr val="7F7F7F"/>
+                </a:solidFill>
+                <a:latin typeface="Questrial"/>
+                <a:ea typeface="Questrial"/>
+                <a:cs typeface="Questrial"/>
+                <a:sym typeface="Questrial"/>
+              </a:rPr>
+              <a:t>box office success rate for a movie based on the release time</a:t>
+            </a:r>
+          </a:p>
+          <a:p>
+            <a:pPr indent="-228600" lvl="1" marL="685800" marR="0" rtl="0" algn="l">
+              <a:lnSpc>
+                <a:spcPct val="90000"/>
+              </a:lnSpc>
+              <a:spcBef>
+                <a:spcPts val="500"/>
+              </a:spcBef>
+              <a:buClr>
+                <a:srgbClr val="7F7F7F"/>
+              </a:buClr>
+              <a:buSzPct val="85714"/>
+              <a:buFont typeface="Questrial"/>
+              <a:buChar char="•"/>
+            </a:pPr>
+            <a:r>
+              <a:rPr lang="en-US">
+                <a:solidFill>
+                  <a:srgbClr val="7F7F7F"/>
+                </a:solidFill>
+                <a:latin typeface="Questrial"/>
+                <a:ea typeface="Questrial"/>
+                <a:cs typeface="Questrial"/>
+                <a:sym typeface="Questrial"/>
+              </a:rPr>
+              <a:t>establish a relation between plot analysis (using Python’s Natural Language Processing (NLTK) library) and critical and commercial success</a:t>
+            </a:r>
+          </a:p>
+          <a:p>
+            <a:pPr indent="0" lvl="0" marL="457200" marR="0" rtl="0" algn="l">
+              <a:lnSpc>
+                <a:spcPct val="90000"/>
+              </a:lnSpc>
+              <a:spcBef>
+                <a:spcPts val="500"/>
+              </a:spcBef>
+              <a:buNone/>
+            </a:pPr>
+            <a:r>
+              <a:t/>
+            </a:r>
+            <a:endParaRPr/>
+          </a:p>
+          <a:p>
+            <a:pPr indent="-50800" lvl="0" marL="228600" marR="0" rtl="0" algn="l">
+              <a:lnSpc>
+                <a:spcPct val="90000"/>
+              </a:lnSpc>
+              <a:spcBef>
+                <a:spcPts val="1000"/>
+              </a:spcBef>
+              <a:buClr>
+                <a:schemeClr val="dk1"/>
+              </a:buClr>
+              <a:buFont typeface="Arial"/>
+              <a:buNone/>
+            </a:pPr>
+            <a:r>
+              <a:t/>
+            </a:r>
+            <a:endParaRPr b="0" baseline="0" i="0" sz="2800" u="none" cap="none" strike="noStrike">
+              <a:solidFill>
+                <a:srgbClr val="7F7F7F"/>
+              </a:solidFill>
+              <a:latin typeface="Questrial"/>
+              <a:ea typeface="Questrial"/>
+              <a:cs typeface="Questrial"/>
+              <a:sym typeface="Questrial"/>
+            </a:endParaRPr>
+          </a:p>
+        </p:txBody>
+      </p:sp>
+    </p:spTree>
+  </p:cSld>
+  <p:clrMapOvr>
+    <a:masterClrMapping/>
+  </p:clrMapOvr>
+  <p:transition spd="slow">
+    <p:cut/>
+  </p:transition>
+</p:sld>
+</file>
+
+<file path=ppt/slides/slide6.xml><?xml version="1.0" encoding="utf-8"?>
+<p:sld xmlns:a="http://schemas.openxmlformats.org/drawingml/2006/main" xmlns:r="http://schemas.openxmlformats.org/officeDocument/2006/relationships" xmlns:mc="http://schemas.openxmlformats.org/markup-compatibility/2006" xmlns:mv="urn:schemas-microsoft-com:mac:vml" xmlns:p="http://schemas.openxmlformats.org/presentationml/2006/main" xmlns:c="http://schemas.openxmlformats.org/drawingml/2006/chart" xmlns:dgm="http://schemas.openxmlformats.org/drawingml/2006/diagram" xmlns:o="urn:schemas-microsoft-com:office:office" xmlns:v="urn:schemas-microsoft-com:vml" xmlns:pvml="urn:schemas-microsoft-com:office:powerpoint" xmlns:com="http://schemas.openxmlformats.org/drawingml/2006/compatibility" xmlns:p14="http://schemas.microsoft.com/office/powerpoint/2010/main">
+  <p:cSld>
+    <p:bg>
+      <p:bgPr>
+        <a:solidFill>
+          <a:srgbClr val="F2F2F2"/>
+        </a:solidFill>
+      </p:bgPr>
+    </p:bg>
+    <p:spTree>
+      <p:nvGrpSpPr>
+        <p:cNvPr id="109" name="Shape 109"/>
+        <p:cNvGrpSpPr/>
+        <p:nvPr/>
+      </p:nvGrpSpPr>
+      <p:grpSpPr>
+        <a:xfrm>
+          <a:off x="0" y="0"/>
+          <a:ext cx="0" cy="0"/>
+          <a:chOff x="0" y="0"/>
+          <a:chExt cx="0" cy="0"/>
+        </a:xfrm>
+      </p:grpSpPr>
+      <p:sp>
+        <p:nvSpPr>
+          <p:cNvPr id="110" name="Shape 110"/>
+          <p:cNvSpPr txBox="1"/>
+          <p:nvPr>
+            <p:ph type="title"/>
+          </p:nvPr>
+        </p:nvSpPr>
+        <p:spPr>
+          <a:xfrm>
+            <a:off x="838200" y="365125"/>
+            <a:ext cx="10515599" cy="1325562"/>
+          </a:xfrm>
+          <a:prstGeom prst="rect">
+            <a:avLst/>
+          </a:prstGeom>
+          <a:noFill/>
+          <a:ln>
+            <a:noFill/>
+          </a:ln>
+        </p:spPr>
+        <p:txBody>
+          <a:bodyPr anchorCtr="0" anchor="ctr" bIns="45700" lIns="91425" rIns="91425" tIns="45700">
+            <a:noAutofit/>
+          </a:bodyPr>
+          <a:lstStyle/>
+          <a:p>
+            <a:pPr indent="0" lvl="0" marL="0" marR="0" rtl="0" algn="l">
+              <a:lnSpc>
+                <a:spcPct val="90000"/>
+              </a:lnSpc>
+              <a:spcBef>
+                <a:spcPts val="0"/>
+              </a:spcBef>
+              <a:buClr>
+                <a:srgbClr val="7F7F7F"/>
+              </a:buClr>
+              <a:buSzPct val="25000"/>
+              <a:buFont typeface="Times New Roman"/>
+              <a:buNone/>
+            </a:pPr>
+            <a:r>
+              <a:rPr b="0" baseline="0" i="0" lang="en-US" sz="4400" u="none" cap="none" strike="noStrike">
+                <a:solidFill>
+                  <a:srgbClr val="7F7F7F"/>
+                </a:solidFill>
+                <a:latin typeface="Times New Roman"/>
+                <a:ea typeface="Times New Roman"/>
+                <a:cs typeface="Times New Roman"/>
+                <a:sym typeface="Times New Roman"/>
+              </a:rPr>
+              <a:t>FUTURE PLANS</a:t>
+            </a:r>
+          </a:p>
+        </p:txBody>
+      </p:sp>
+      <p:sp>
+        <p:nvSpPr>
+          <p:cNvPr id="111" name="Shape 111"/>
+          <p:cNvSpPr txBox="1"/>
+          <p:nvPr>
+            <p:ph idx="1" type="body"/>
+          </p:nvPr>
+        </p:nvSpPr>
+        <p:spPr>
+          <a:xfrm>
+            <a:off x="838200" y="1825625"/>
             <a:ext cx="10515599" cy="4351338"/>
           </a:xfrm>
           <a:prstGeom prst="rect">
@@ -10904,7 +11193,19 @@
                 <a:cs typeface="Questrial"/>
                 <a:sym typeface="Questrial"/>
               </a:rPr>
-              <a:t>Automate the process and make the database dynamic by updating it with new movies and change over time in user ratings</a:t>
+              <a:t>Automate the process and make the database dynamic by updating it with new movies and change over time in user ratings using Se</a:t>
+            </a:r>
+            <a:r>
+              <a:rPr lang="en-US">
+                <a:solidFill>
+                  <a:srgbClr val="7F7F7F"/>
+                </a:solidFill>
+                <a:latin typeface="Questrial"/>
+                <a:ea typeface="Questrial"/>
+                <a:cs typeface="Questrial"/>
+                <a:sym typeface="Questrial"/>
+              </a:rPr>
+              <a:t>lenium with Python</a:t>
             </a:r>
           </a:p>
           <a:p>
@@ -10949,6 +11250,285 @@
 </file>
 
 <file path=ppt/theme/theme1.xml><?xml version="1.0" encoding="utf-8"?>
+<a:theme xmlns:a="http://schemas.openxmlformats.org/drawingml/2006/main" xmlns:r="http://schemas.openxmlformats.org/officeDocument/2006/relationships" name="Office Theme">
+  <a:themeElements>
+    <a:clrScheme name="Office">
+      <a:dk1>
+        <a:srgbClr val="000000"/>
+      </a:dk1>
+      <a:lt1>
+        <a:srgbClr val="FFFFFF"/>
+      </a:lt1>
+      <a:dk2>
+        <a:srgbClr val="44546A"/>
+      </a:dk2>
+      <a:lt2>
+        <a:srgbClr val="E7E6E6"/>
+      </a:lt2>
+      <a:accent1>
+        <a:srgbClr val="5B9BD5"/>
+      </a:accent1>
+      <a:accent2>
+        <a:srgbClr val="ED7D31"/>
+      </a:accent2>
+      <a:accent3>
+        <a:srgbClr val="A5A5A5"/>
+      </a:accent3>
+      <a:accent4>
+        <a:srgbClr val="FFC000"/>
+      </a:accent4>
+      <a:accent5>
+        <a:srgbClr val="4472C4"/>
+      </a:accent5>
+      <a:accent6>
+        <a:srgbClr val="70AD47"/>
+      </a:accent6>
+      <a:hlink>
+        <a:srgbClr val="0563C1"/>
+      </a:hlink>
+      <a:folHlink>
+        <a:srgbClr val="954F72"/>
+      </a:folHlink>
+    </a:clrScheme>
+    <a:fontScheme name="Office">
+      <a:majorFont>
+        <a:latin typeface="Arial"/>
+        <a:ea typeface=""/>
+        <a:cs typeface=""/>
+        <a:font script="Jpan" typeface="ＭＳ Ｐゴシック"/>
+        <a:font script="Hang" typeface="맑은 고딕"/>
+        <a:font script="Hans" typeface="宋体"/>
+        <a:font script="Hant" typeface="新細明體"/>
+        <a:font script="Arab" typeface="Times New Roman"/>
+        <a:font script="Hebr" typeface="Times New Roman"/>
+        <a:font script="Thai" typeface="Angsana New"/>
+        <a:font script="Ethi" typeface="Nyala"/>
+        <a:font script="Beng" typeface="Vrinda"/>
+        <a:font script="Gujr" typeface="Shruti"/>
+        <a:font script="Khmr" typeface="MoolBoran"/>
+        <a:font script="Knda" typeface="Tunga"/>
+        <a:font script="Guru" typeface="Raavi"/>
+        <a:font script="Cans" typeface="Euphemia"/>
+        <a:font script="Cher" typeface="Plantagenet Cherokee"/>
+        <a:font script="Yiii" typeface="Microsoft Yi Baiti"/>
+        <a:font script="Tibt" typeface="Microsoft Himalaya"/>
+        <a:font script="Thaa" typeface="MV Boli"/>
+        <a:font script="Deva" typeface="Mangal"/>
+        <a:font script="Telu" typeface="Gautami"/>
+        <a:font script="Taml" typeface="Latha"/>
+        <a:font script="Syrc" typeface="Estrangelo Edessa"/>
+        <a:font script="Orya" typeface="Kalinga"/>
+        <a:font script="Mlym" typeface="Kartika"/>
+        <a:font script="Laoo" typeface="DokChampa"/>
+        <a:font script="Sinh" typeface="Iskoola Pota"/>
+        <a:font script="Mong" typeface="Mongolian Baiti"/>
+        <a:font script="Viet" typeface="Times New Roman"/>
+        <a:font script="Uigh" typeface="Microsoft Uighur"/>
+        <a:font script="Geor" typeface="Sylfaen"/>
+      </a:majorFont>
+      <a:minorFont>
+        <a:latin typeface="Arial"/>
+        <a:ea typeface=""/>
+        <a:cs typeface=""/>
+        <a:font script="Jpan" typeface="ＭＳ Ｐゴシック"/>
+        <a:font script="Hang" typeface="맑은 고딕"/>
+        <a:font script="Hans" typeface="宋体"/>
+        <a:font script="Hant" typeface="新細明體"/>
+        <a:font script="Arab" typeface="Arial"/>
+        <a:font script="Hebr" typeface="Arial"/>
+        <a:font script="Thai" typeface="Cordia New"/>
+        <a:font script="Ethi" typeface="Nyala"/>
+        <a:font script="Beng" typeface="Vrinda"/>
+        <a:font script="Gujr" typeface="Shruti"/>
+        <a:font script="Khmr" typeface="DaunPenh"/>
+        <a:font script="Knda" typeface="Tunga"/>
+        <a:font script="Guru" typeface="Raavi"/>
+        <a:font script="Cans" typeface="Euphemia"/>
+        <a:font script="Cher" typeface="Plantagenet Cherokee"/>
+        <a:font script="Yiii" typeface="Microsoft Yi Baiti"/>
+        <a:font script="Tibt" typeface="Microsoft Himalaya"/>
+        <a:font script="Thaa" typeface="MV Boli"/>
+        <a:font script="Deva" typeface="Mangal"/>
+        <a:font script="Telu" typeface="Gautami"/>
+        <a:font script="Taml" typeface="Latha"/>
+        <a:font script="Syrc" typeface="Estrangelo Edessa"/>
+        <a:font script="Orya" typeface="Kalinga"/>
+        <a:font script="Mlym" typeface="Kartika"/>
+        <a:font script="Laoo" typeface="DokChampa"/>
+        <a:font script="Sinh" typeface="Iskoola Pota"/>
+        <a:font script="Mong" typeface="Mongolian Baiti"/>
+        <a:font script="Viet" typeface="Arial"/>
+        <a:font script="Uigh" typeface="Microsoft Uighur"/>
+        <a:font script="Geor" typeface="Sylfaen"/>
+      </a:minorFont>
+    </a:fontScheme>
+    <a:fmtScheme name="Office">
+      <a:fillStyleLst>
+        <a:solidFill>
+          <a:schemeClr val="phClr"/>
+        </a:solidFill>
+        <a:gradFill rotWithShape="1">
+          <a:gsLst>
+            <a:gs pos="0">
+              <a:schemeClr val="phClr">
+                <a:tint val="50000"/>
+                <a:satMod val="300000"/>
+              </a:schemeClr>
+            </a:gs>
+            <a:gs pos="35000">
+              <a:schemeClr val="phClr">
+                <a:tint val="37000"/>
+                <a:satMod val="300000"/>
+              </a:schemeClr>
+            </a:gs>
+            <a:gs pos="100000">
+              <a:schemeClr val="phClr">
+                <a:tint val="15000"/>
+                <a:satMod val="350000"/>
+              </a:schemeClr>
+            </a:gs>
+          </a:gsLst>
+          <a:lin ang="16200000" scaled="1"/>
+        </a:gradFill>
+        <a:gradFill rotWithShape="1">
+          <a:gsLst>
+            <a:gs pos="0">
+              <a:schemeClr val="phClr">
+                <a:tint val="100000"/>
+                <a:shade val="100000"/>
+                <a:satMod val="130000"/>
+              </a:schemeClr>
+            </a:gs>
+            <a:gs pos="100000">
+              <a:schemeClr val="phClr">
+                <a:tint val="50000"/>
+                <a:shade val="100000"/>
+                <a:satMod val="350000"/>
+              </a:schemeClr>
+            </a:gs>
+          </a:gsLst>
+          <a:lin ang="16200000" scaled="0"/>
+        </a:gradFill>
+      </a:fillStyleLst>
+      <a:lnStyleLst>
+        <a:ln w="9525" cap="flat" cmpd="sng" algn="ctr">
+          <a:solidFill>
+            <a:schemeClr val="phClr">
+              <a:shade val="95000"/>
+              <a:satMod val="105000"/>
+            </a:schemeClr>
+          </a:solidFill>
+          <a:prstDash val="solid"/>
+        </a:ln>
+        <a:ln w="25400" cap="flat" cmpd="sng" algn="ctr">
+          <a:solidFill>
+            <a:schemeClr val="phClr"/>
+          </a:solidFill>
+          <a:prstDash val="solid"/>
+        </a:ln>
+        <a:ln w="38100" cap="flat" cmpd="sng" algn="ctr">
+          <a:solidFill>
+            <a:schemeClr val="phClr"/>
+          </a:solidFill>
+          <a:prstDash val="solid"/>
+        </a:ln>
+      </a:lnStyleLst>
+      <a:effectStyleLst>
+        <a:effectStyle>
+          <a:effectLst>
+            <a:outerShdw blurRad="40000" dist="20000" dir="5400000" rotWithShape="0">
+              <a:srgbClr val="000000">
+                <a:alpha val="38000"/>
+              </a:srgbClr>
+            </a:outerShdw>
+          </a:effectLst>
+        </a:effectStyle>
+        <a:effectStyle>
+          <a:effectLst>
+            <a:outerShdw blurRad="40000" dist="23000" dir="5400000" rotWithShape="0">
+              <a:srgbClr val="000000">
+                <a:alpha val="35000"/>
+              </a:srgbClr>
+            </a:outerShdw>
+          </a:effectLst>
+        </a:effectStyle>
+        <a:effectStyle>
+          <a:effectLst>
+            <a:outerShdw blurRad="40000" dist="23000" dir="5400000" rotWithShape="0">
+              <a:srgbClr val="000000">
+                <a:alpha val="35000"/>
+              </a:srgbClr>
+            </a:outerShdw>
+          </a:effectLst>
+          <a:scene3d>
+            <a:camera prst="orthographicFront">
+              <a:rot lat="0" lon="0" rev="0"/>
+            </a:camera>
+            <a:lightRig rig="threePt" dir="t">
+              <a:rot lat="0" lon="0" rev="1200000"/>
+            </a:lightRig>
+          </a:scene3d>
+          <a:sp3d>
+            <a:bevelT w="63500" h="25400"/>
+          </a:sp3d>
+        </a:effectStyle>
+      </a:effectStyleLst>
+      <a:bgFillStyleLst>
+        <a:solidFill>
+          <a:schemeClr val="phClr"/>
+        </a:solidFill>
+        <a:gradFill rotWithShape="1">
+          <a:gsLst>
+            <a:gs pos="0">
+              <a:schemeClr val="phClr">
+                <a:tint val="40000"/>
+                <a:satMod val="350000"/>
+              </a:schemeClr>
+            </a:gs>
+            <a:gs pos="40000">
+              <a:schemeClr val="phClr">
+                <a:tint val="45000"/>
+                <a:shade val="99000"/>
+                <a:satMod val="350000"/>
+              </a:schemeClr>
+            </a:gs>
+            <a:gs pos="100000">
+              <a:schemeClr val="phClr">
+                <a:shade val="20000"/>
+                <a:satMod val="255000"/>
+              </a:schemeClr>
+            </a:gs>
+          </a:gsLst>
+          <a:path path="circle">
+            <a:fillToRect l="50000" t="-80000" r="50000" b="180000"/>
+          </a:path>
+        </a:gradFill>
+        <a:gradFill rotWithShape="1">
+          <a:gsLst>
+            <a:gs pos="0">
+              <a:schemeClr val="phClr">
+                <a:tint val="80000"/>
+                <a:satMod val="300000"/>
+              </a:schemeClr>
+            </a:gs>
+            <a:gs pos="100000">
+              <a:schemeClr val="phClr">
+                <a:shade val="30000"/>
+                <a:satMod val="200000"/>
+              </a:schemeClr>
+            </a:gs>
+          </a:gsLst>
+          <a:path path="circle">
+            <a:fillToRect l="50000" t="50000" r="50000" b="50000"/>
+          </a:path>
+        </a:gradFill>
+      </a:bgFillStyleLst>
+    </a:fmtScheme>
+  </a:themeElements>
+</a:theme>
+</file>
+
+<file path=ppt/theme/theme2.xml><?xml version="1.0" encoding="utf-8"?>
 <a:theme xmlns:a="http://schemas.openxmlformats.org/drawingml/2006/main" xmlns:r="http://schemas.openxmlformats.org/officeDocument/2006/relationships" name="Custom Theme">
   <a:themeElements>
     <a:clrScheme name="Default">
@@ -11225,283 +11805,4 @@
     </a:fmtScheme>
   </a:themeElements>
 </a:theme>
-</file>
-
-<file path=ppt/theme/theme2.xml><?xml version="1.0" encoding="utf-8"?>
-<a:theme xmlns:a="http://schemas.openxmlformats.org/drawingml/2006/main" xmlns:r="http://schemas.openxmlformats.org/officeDocument/2006/relationships" name="Office Theme">
-  <a:themeElements>
-    <a:clrScheme name="Office">
-      <a:dk1>
-        <a:srgbClr val="000000"/>
-      </a:dk1>
-      <a:lt1>
-        <a:srgbClr val="FFFFFF"/>
-      </a:lt1>
-      <a:dk2>
-        <a:srgbClr val="44546A"/>
-      </a:dk2>
-      <a:lt2>
-        <a:srgbClr val="E7E6E6"/>
-      </a:lt2>
-      <a:accent1>
-        <a:srgbClr val="5B9BD5"/>
-      </a:accent1>
-      <a:accent2>
-        <a:srgbClr val="ED7D31"/>
-      </a:accent2>
-      <a:accent3>
-        <a:srgbClr val="A5A5A5"/>
-      </a:accent3>
-      <a:accent4>
-        <a:srgbClr val="FFC000"/>
-      </a:accent4>
-      <a:accent5>
-        <a:srgbClr val="4472C4"/>
-      </a:accent5>
-      <a:accent6>
-        <a:srgbClr val="70AD47"/>
-      </a:accent6>
-      <a:hlink>
-        <a:srgbClr val="0563C1"/>
-      </a:hlink>
-      <a:folHlink>
-        <a:srgbClr val="954F72"/>
-      </a:folHlink>
-    </a:clrScheme>
-    <a:fontScheme name="Office">
-      <a:majorFont>
-        <a:latin typeface="Arial"/>
-        <a:ea typeface=""/>
-        <a:cs typeface=""/>
-        <a:font script="Jpan" typeface="ＭＳ Ｐゴシック"/>
-        <a:font script="Hang" typeface="맑은 고딕"/>
-        <a:font script="Hans" typeface="宋体"/>
-        <a:font script="Hant" typeface="新細明體"/>
-        <a:font script="Arab" typeface="Times New Roman"/>
-        <a:font script="Hebr" typeface="Times New Roman"/>
-        <a:font script="Thai" typeface="Angsana New"/>
-        <a:font script="Ethi" typeface="Nyala"/>
-        <a:font script="Beng" typeface="Vrinda"/>
-        <a:font script="Gujr" typeface="Shruti"/>
-        <a:font script="Khmr" typeface="MoolBoran"/>
-        <a:font script="Knda" typeface="Tunga"/>
-        <a:font script="Guru" typeface="Raavi"/>
-        <a:font script="Cans" typeface="Euphemia"/>
-        <a:font script="Cher" typeface="Plantagenet Cherokee"/>
-        <a:font script="Yiii" typeface="Microsoft Yi Baiti"/>
-        <a:font script="Tibt" typeface="Microsoft Himalaya"/>
-        <a:font script="Thaa" typeface="MV Boli"/>
-        <a:font script="Deva" typeface="Mangal"/>
-        <a:font script="Telu" typeface="Gautami"/>
-        <a:font script="Taml" typeface="Latha"/>
-        <a:font script="Syrc" typeface="Estrangelo Edessa"/>
-        <a:font script="Orya" typeface="Kalinga"/>
-        <a:font script="Mlym" typeface="Kartika"/>
-        <a:font script="Laoo" typeface="DokChampa"/>
-        <a:font script="Sinh" typeface="Iskoola Pota"/>
-        <a:font script="Mong" typeface="Mongolian Baiti"/>
-        <a:font script="Viet" typeface="Times New Roman"/>
-        <a:font script="Uigh" typeface="Microsoft Uighur"/>
-        <a:font script="Geor" typeface="Sylfaen"/>
-      </a:majorFont>
-      <a:minorFont>
-        <a:latin typeface="Arial"/>
-        <a:ea typeface=""/>
-        <a:cs typeface=""/>
-        <a:font script="Jpan" typeface="ＭＳ Ｐゴシック"/>
-        <a:font script="Hang" typeface="맑은 고딕"/>
-        <a:font script="Hans" typeface="宋体"/>
-        <a:font script="Hant" typeface="新細明體"/>
-        <a:font script="Arab" typeface="Arial"/>
-        <a:font script="Hebr" typeface="Arial"/>
-        <a:font script="Thai" typeface="Cordia New"/>
-        <a:font script="Ethi" typeface="Nyala"/>
-        <a:font script="Beng" typeface="Vrinda"/>
-        <a:font script="Gujr" typeface="Shruti"/>
-        <a:font script="Khmr" typeface="DaunPenh"/>
-        <a:font script="Knda" typeface="Tunga"/>
-        <a:font script="Guru" typeface="Raavi"/>
-        <a:font script="Cans" typeface="Euphemia"/>
-        <a:font script="Cher" typeface="Plantagenet Cherokee"/>
-        <a:font script="Yiii" typeface="Microsoft Yi Baiti"/>
-        <a:font script="Tibt" typeface="Microsoft Himalaya"/>
-        <a:font script="Thaa" typeface="MV Boli"/>
-        <a:font script="Deva" typeface="Mangal"/>
-        <a:font script="Telu" typeface="Gautami"/>
-        <a:font script="Taml" typeface="Latha"/>
-        <a:font script="Syrc" typeface="Estrangelo Edessa"/>
-        <a:font script="Orya" typeface="Kalinga"/>
-        <a:font script="Mlym" typeface="Kartika"/>
-        <a:font script="Laoo" typeface="DokChampa"/>
-        <a:font script="Sinh" typeface="Iskoola Pota"/>
-        <a:font script="Mong" typeface="Mongolian Baiti"/>
-        <a:font script="Viet" typeface="Arial"/>
-        <a:font script="Uigh" typeface="Microsoft Uighur"/>
-        <a:font script="Geor" typeface="Sylfaen"/>
-      </a:minorFont>
-    </a:fontScheme>
-    <a:fmtScheme name="Office">
-      <a:fillStyleLst>
-        <a:solidFill>
-          <a:schemeClr val="phClr"/>
-        </a:solidFill>
-        <a:gradFill rotWithShape="1">
-          <a:gsLst>
-            <a:gs pos="0">
-              <a:schemeClr val="phClr">
-                <a:tint val="50000"/>
-                <a:satMod val="300000"/>
-              </a:schemeClr>
-            </a:gs>
-            <a:gs pos="35000">
-              <a:schemeClr val="phClr">
-                <a:tint val="37000"/>
-                <a:satMod val="300000"/>
-              </a:schemeClr>
-            </a:gs>
-            <a:gs pos="100000">
-              <a:schemeClr val="phClr">
-                <a:tint val="15000"/>
-                <a:satMod val="350000"/>
-              </a:schemeClr>
-            </a:gs>
-          </a:gsLst>
-          <a:lin ang="16200000" scaled="1"/>
-        </a:gradFill>
-        <a:gradFill rotWithShape="1">
-          <a:gsLst>
-            <a:gs pos="0">
-              <a:schemeClr val="phClr">
-                <a:tint val="100000"/>
-                <a:shade val="100000"/>
-                <a:satMod val="130000"/>
-              </a:schemeClr>
-            </a:gs>
-            <a:gs pos="100000">
-              <a:schemeClr val="phClr">
-                <a:tint val="50000"/>
-                <a:shade val="100000"/>
-                <a:satMod val="350000"/>
-              </a:schemeClr>
-            </a:gs>
-          </a:gsLst>
-          <a:lin ang="16200000" scaled="0"/>
-        </a:gradFill>
-      </a:fillStyleLst>
-      <a:lnStyleLst>
-        <a:ln w="9525" cap="flat" cmpd="sng" algn="ctr">
-          <a:solidFill>
-            <a:schemeClr val="phClr">
-              <a:shade val="95000"/>
-              <a:satMod val="105000"/>
-            </a:schemeClr>
-          </a:solidFill>
-          <a:prstDash val="solid"/>
-        </a:ln>
-        <a:ln w="25400" cap="flat" cmpd="sng" algn="ctr">
-          <a:solidFill>
-            <a:schemeClr val="phClr"/>
-          </a:solidFill>
-          <a:prstDash val="solid"/>
-        </a:ln>
-        <a:ln w="38100" cap="flat" cmpd="sng" algn="ctr">
-          <a:solidFill>
-            <a:schemeClr val="phClr"/>
-          </a:solidFill>
-          <a:prstDash val="solid"/>
-        </a:ln>
-      </a:lnStyleLst>
-      <a:effectStyleLst>
-        <a:effectStyle>
-          <a:effectLst>
-            <a:outerShdw blurRad="40000" dist="20000" dir="5400000" rotWithShape="0">
-              <a:srgbClr val="000000">
-                <a:alpha val="38000"/>
-              </a:srgbClr>
-            </a:outerShdw>
-          </a:effectLst>
-        </a:effectStyle>
-        <a:effectStyle>
-          <a:effectLst>
-            <a:outerShdw blurRad="40000" dist="23000" dir="5400000" rotWithShape="0">
-              <a:srgbClr val="000000">
-                <a:alpha val="35000"/>
-              </a:srgbClr>
-            </a:outerShdw>
-          </a:effectLst>
-        </a:effectStyle>
-        <a:effectStyle>
-          <a:effectLst>
-            <a:outerShdw blurRad="40000" dist="23000" dir="5400000" rotWithShape="0">
-              <a:srgbClr val="000000">
-                <a:alpha val="35000"/>
-              </a:srgbClr>
-            </a:outerShdw>
-          </a:effectLst>
-          <a:scene3d>
-            <a:camera prst="orthographicFront">
-              <a:rot lat="0" lon="0" rev="0"/>
-            </a:camera>
-            <a:lightRig rig="threePt" dir="t">
-              <a:rot lat="0" lon="0" rev="1200000"/>
-            </a:lightRig>
-          </a:scene3d>
-          <a:sp3d>
-            <a:bevelT w="63500" h="25400"/>
-          </a:sp3d>
-        </a:effectStyle>
-      </a:effectStyleLst>
-      <a:bgFillStyleLst>
-        <a:solidFill>
-          <a:schemeClr val="phClr"/>
-        </a:solidFill>
-        <a:gradFill rotWithShape="1">
-          <a:gsLst>
-            <a:gs pos="0">
-              <a:schemeClr val="phClr">
-                <a:tint val="40000"/>
-                <a:satMod val="350000"/>
-              </a:schemeClr>
-            </a:gs>
-            <a:gs pos="40000">
-              <a:schemeClr val="phClr">
-                <a:tint val="45000"/>
-                <a:shade val="99000"/>
-                <a:satMod val="350000"/>
-              </a:schemeClr>
-            </a:gs>
-            <a:gs pos="100000">
-              <a:schemeClr val="phClr">
-                <a:shade val="20000"/>
-                <a:satMod val="255000"/>
-              </a:schemeClr>
-            </a:gs>
-          </a:gsLst>
-          <a:path path="circle">
-            <a:fillToRect l="50000" t="-80000" r="50000" b="180000"/>
-          </a:path>
-        </a:gradFill>
-        <a:gradFill rotWithShape="1">
-          <a:gsLst>
-            <a:gs pos="0">
-              <a:schemeClr val="phClr">
-                <a:tint val="80000"/>
-                <a:satMod val="300000"/>
-              </a:schemeClr>
-            </a:gs>
-            <a:gs pos="100000">
-              <a:schemeClr val="phClr">
-                <a:shade val="30000"/>
-                <a:satMod val="200000"/>
-              </a:schemeClr>
-            </a:gs>
-          </a:gsLst>
-          <a:path path="circle">
-            <a:fillToRect l="50000" t="50000" r="50000" b="50000"/>
-          </a:path>
-        </a:gradFill>
-      </a:bgFillStyleLst>
-    </a:fmtScheme>
-  </a:themeElements>
-</a:theme>
 </file>